--- a/presentations/Task_1.pptx
+++ b/presentations/Task_1.pptx
@@ -810,7 +810,7 @@
   <p:cSld>
     <p:spTree>
       <p:nvGrpSpPr>
-        <p:cNvPr id="124" name="Shape 124"/>
+        <p:cNvPr id="125" name="Shape 125"/>
         <p:cNvGrpSpPr/>
         <p:nvPr/>
       </p:nvGrpSpPr>
@@ -824,7 +824,7 @@
       </p:grpSpPr>
       <p:sp>
         <p:nvSpPr>
-          <p:cNvPr id="125" name="Google Shape;125;g17d22832966_0_234:notes"/>
+          <p:cNvPr id="126" name="Google Shape;126;g17d22832966_0_234:notes"/>
           <p:cNvSpPr/>
           <p:nvPr>
             <p:ph idx="2" type="sldImg"/>
@@ -859,7 +859,7 @@
       </p:sp>
       <p:sp>
         <p:nvSpPr>
-          <p:cNvPr id="126" name="Google Shape;126;g17d22832966_0_234:notes"/>
+          <p:cNvPr id="127" name="Google Shape;127;g17d22832966_0_234:notes"/>
           <p:cNvSpPr txBox="1"/>
           <p:nvPr>
             <p:ph idx="1" type="body"/>
@@ -909,7 +909,7 @@
   <p:cSld>
     <p:spTree>
       <p:nvGrpSpPr>
-        <p:cNvPr id="132" name="Shape 132"/>
+        <p:cNvPr id="133" name="Shape 133"/>
         <p:cNvGrpSpPr/>
         <p:nvPr/>
       </p:nvGrpSpPr>
@@ -923,7 +923,7 @@
       </p:grpSpPr>
       <p:sp>
         <p:nvSpPr>
-          <p:cNvPr id="133" name="Google Shape;133;g17d22832966_0_243:notes"/>
+          <p:cNvPr id="134" name="Google Shape;134;g17d22832966_0_243:notes"/>
           <p:cNvSpPr/>
           <p:nvPr>
             <p:ph idx="2" type="sldImg"/>
@@ -958,7 +958,7 @@
       </p:sp>
       <p:sp>
         <p:nvSpPr>
-          <p:cNvPr id="134" name="Google Shape;134;g17d22832966_0_243:notes"/>
+          <p:cNvPr id="135" name="Google Shape;135;g17d22832966_0_243:notes"/>
           <p:cNvSpPr txBox="1"/>
           <p:nvPr>
             <p:ph idx="1" type="body"/>
@@ -1008,7 +1008,7 @@
   <p:cSld>
     <p:spTree>
       <p:nvGrpSpPr>
-        <p:cNvPr id="139" name="Shape 139"/>
+        <p:cNvPr id="140" name="Shape 140"/>
         <p:cNvGrpSpPr/>
         <p:nvPr/>
       </p:nvGrpSpPr>
@@ -1022,7 +1022,7 @@
       </p:grpSpPr>
       <p:sp>
         <p:nvSpPr>
-          <p:cNvPr id="140" name="Google Shape;140;g17d22832966_0_252:notes"/>
+          <p:cNvPr id="141" name="Google Shape;141;g17d22832966_0_252:notes"/>
           <p:cNvSpPr/>
           <p:nvPr>
             <p:ph idx="2" type="sldImg"/>
@@ -1057,7 +1057,7 @@
       </p:sp>
       <p:sp>
         <p:nvSpPr>
-          <p:cNvPr id="141" name="Google Shape;141;g17d22832966_0_252:notes"/>
+          <p:cNvPr id="142" name="Google Shape;142;g17d22832966_0_252:notes"/>
           <p:cNvSpPr txBox="1"/>
           <p:nvPr>
             <p:ph idx="1" type="body"/>
@@ -1107,7 +1107,7 @@
   <p:cSld>
     <p:spTree>
       <p:nvGrpSpPr>
-        <p:cNvPr id="56" name="Shape 56"/>
+        <p:cNvPr id="57" name="Shape 57"/>
         <p:cNvGrpSpPr/>
         <p:nvPr/>
       </p:nvGrpSpPr>
@@ -1121,7 +1121,7 @@
       </p:grpSpPr>
       <p:sp>
         <p:nvSpPr>
-          <p:cNvPr id="57" name="Google Shape;57;g17d22832966_0_95:notes"/>
+          <p:cNvPr id="58" name="Google Shape;58;g17d22832966_0_95:notes"/>
           <p:cNvSpPr/>
           <p:nvPr>
             <p:ph idx="2" type="sldImg"/>
@@ -1156,7 +1156,7 @@
       </p:sp>
       <p:sp>
         <p:nvSpPr>
-          <p:cNvPr id="58" name="Google Shape;58;g17d22832966_0_95:notes"/>
+          <p:cNvPr id="59" name="Google Shape;59;g17d22832966_0_95:notes"/>
           <p:cNvSpPr txBox="1"/>
           <p:nvPr>
             <p:ph idx="1" type="body"/>
@@ -1206,7 +1206,7 @@
   <p:cSld>
     <p:spTree>
       <p:nvGrpSpPr>
-        <p:cNvPr id="72" name="Shape 72"/>
+        <p:cNvPr id="73" name="Shape 73"/>
         <p:cNvGrpSpPr/>
         <p:nvPr/>
       </p:nvGrpSpPr>
@@ -1220,7 +1220,7 @@
       </p:grpSpPr>
       <p:sp>
         <p:nvSpPr>
-          <p:cNvPr id="73" name="Google Shape;73;g17d22832966_0_158:notes"/>
+          <p:cNvPr id="74" name="Google Shape;74;g17d22832966_0_158:notes"/>
           <p:cNvSpPr/>
           <p:nvPr>
             <p:ph idx="2" type="sldImg"/>
@@ -1255,7 +1255,7 @@
       </p:sp>
       <p:sp>
         <p:nvSpPr>
-          <p:cNvPr id="74" name="Google Shape;74;g17d22832966_0_158:notes"/>
+          <p:cNvPr id="75" name="Google Shape;75;g17d22832966_0_158:notes"/>
           <p:cNvSpPr txBox="1"/>
           <p:nvPr>
             <p:ph idx="1" type="body"/>
@@ -1305,7 +1305,7 @@
   <p:cSld>
     <p:spTree>
       <p:nvGrpSpPr>
-        <p:cNvPr id="79" name="Shape 79"/>
+        <p:cNvPr id="80" name="Shape 80"/>
         <p:cNvGrpSpPr/>
         <p:nvPr/>
       </p:nvGrpSpPr>
@@ -1319,7 +1319,7 @@
       </p:grpSpPr>
       <p:sp>
         <p:nvSpPr>
-          <p:cNvPr id="80" name="Google Shape;80;g17d22832966_0_174:notes"/>
+          <p:cNvPr id="81" name="Google Shape;81;g17d22832966_0_174:notes"/>
           <p:cNvSpPr/>
           <p:nvPr>
             <p:ph idx="2" type="sldImg"/>
@@ -1354,7 +1354,7 @@
       </p:sp>
       <p:sp>
         <p:nvSpPr>
-          <p:cNvPr id="81" name="Google Shape;81;g17d22832966_0_174:notes"/>
+          <p:cNvPr id="82" name="Google Shape;82;g17d22832966_0_174:notes"/>
           <p:cNvSpPr txBox="1"/>
           <p:nvPr>
             <p:ph idx="1" type="body"/>
@@ -1404,7 +1404,7 @@
   <p:cSld>
     <p:spTree>
       <p:nvGrpSpPr>
-        <p:cNvPr id="88" name="Shape 88"/>
+        <p:cNvPr id="89" name="Shape 89"/>
         <p:cNvGrpSpPr/>
         <p:nvPr/>
       </p:nvGrpSpPr>
@@ -1418,7 +1418,7 @@
       </p:grpSpPr>
       <p:sp>
         <p:nvSpPr>
-          <p:cNvPr id="89" name="Google Shape;89;g17d22832966_0_183:notes"/>
+          <p:cNvPr id="90" name="Google Shape;90;g17d22832966_0_183:notes"/>
           <p:cNvSpPr/>
           <p:nvPr>
             <p:ph idx="2" type="sldImg"/>
@@ -1453,7 +1453,7 @@
       </p:sp>
       <p:sp>
         <p:nvSpPr>
-          <p:cNvPr id="90" name="Google Shape;90;g17d22832966_0_183:notes"/>
+          <p:cNvPr id="91" name="Google Shape;91;g17d22832966_0_183:notes"/>
           <p:cNvSpPr txBox="1"/>
           <p:nvPr>
             <p:ph idx="1" type="body"/>
@@ -1503,7 +1503,7 @@
   <p:cSld>
     <p:spTree>
       <p:nvGrpSpPr>
-        <p:cNvPr id="95" name="Shape 95"/>
+        <p:cNvPr id="96" name="Shape 96"/>
         <p:cNvGrpSpPr/>
         <p:nvPr/>
       </p:nvGrpSpPr>
@@ -1517,7 +1517,7 @@
       </p:grpSpPr>
       <p:sp>
         <p:nvSpPr>
-          <p:cNvPr id="96" name="Google Shape;96;g17d22832966_0_195:notes"/>
+          <p:cNvPr id="97" name="Google Shape;97;g17d22832966_0_195:notes"/>
           <p:cNvSpPr/>
           <p:nvPr>
             <p:ph idx="2" type="sldImg"/>
@@ -1552,7 +1552,7 @@
       </p:sp>
       <p:sp>
         <p:nvSpPr>
-          <p:cNvPr id="97" name="Google Shape;97;g17d22832966_0_195:notes"/>
+          <p:cNvPr id="98" name="Google Shape;98;g17d22832966_0_195:notes"/>
           <p:cNvSpPr txBox="1"/>
           <p:nvPr>
             <p:ph idx="1" type="body"/>
@@ -1602,7 +1602,7 @@
   <p:cSld>
     <p:spTree>
       <p:nvGrpSpPr>
-        <p:cNvPr id="105" name="Shape 105"/>
+        <p:cNvPr id="106" name="Shape 106"/>
         <p:cNvGrpSpPr/>
         <p:nvPr/>
       </p:nvGrpSpPr>
@@ -1616,7 +1616,7 @@
       </p:grpSpPr>
       <p:sp>
         <p:nvSpPr>
-          <p:cNvPr id="106" name="Google Shape;106;g17d22832966_0_210:notes"/>
+          <p:cNvPr id="107" name="Google Shape;107;g17d22832966_0_210:notes"/>
           <p:cNvSpPr/>
           <p:nvPr>
             <p:ph idx="2" type="sldImg"/>
@@ -1651,7 +1651,7 @@
       </p:sp>
       <p:sp>
         <p:nvSpPr>
-          <p:cNvPr id="107" name="Google Shape;107;g17d22832966_0_210:notes"/>
+          <p:cNvPr id="108" name="Google Shape;108;g17d22832966_0_210:notes"/>
           <p:cNvSpPr txBox="1"/>
           <p:nvPr>
             <p:ph idx="1" type="body"/>
@@ -1701,7 +1701,7 @@
   <p:cSld>
     <p:spTree>
       <p:nvGrpSpPr>
-        <p:cNvPr id="112" name="Shape 112"/>
+        <p:cNvPr id="113" name="Shape 113"/>
         <p:cNvGrpSpPr/>
         <p:nvPr/>
       </p:nvGrpSpPr>
@@ -1715,7 +1715,7 @@
       </p:grpSpPr>
       <p:sp>
         <p:nvSpPr>
-          <p:cNvPr id="113" name="Google Shape;113;g17d22832966_0_221:notes"/>
+          <p:cNvPr id="114" name="Google Shape;114;g17d22832966_0_221:notes"/>
           <p:cNvSpPr/>
           <p:nvPr>
             <p:ph idx="2" type="sldImg"/>
@@ -1750,7 +1750,7 @@
       </p:sp>
       <p:sp>
         <p:nvSpPr>
-          <p:cNvPr id="114" name="Google Shape;114;g17d22832966_0_221:notes"/>
+          <p:cNvPr id="115" name="Google Shape;115;g17d22832966_0_221:notes"/>
           <p:cNvSpPr txBox="1"/>
           <p:nvPr>
             <p:ph idx="1" type="body"/>
@@ -1800,7 +1800,7 @@
   <p:cSld>
     <p:spTree>
       <p:nvGrpSpPr>
-        <p:cNvPr id="118" name="Shape 118"/>
+        <p:cNvPr id="119" name="Shape 119"/>
         <p:cNvGrpSpPr/>
         <p:nvPr/>
       </p:nvGrpSpPr>
@@ -1814,7 +1814,7 @@
       </p:grpSpPr>
       <p:sp>
         <p:nvSpPr>
-          <p:cNvPr id="119" name="Google Shape;119;g17d22832966_0_228:notes"/>
+          <p:cNvPr id="120" name="Google Shape;120;g17d22832966_0_228:notes"/>
           <p:cNvSpPr/>
           <p:nvPr>
             <p:ph idx="2" type="sldImg"/>
@@ -1849,7 +1849,7 @@
       </p:sp>
       <p:sp>
         <p:nvSpPr>
-          <p:cNvPr id="120" name="Google Shape;120;g17d22832966_0_228:notes"/>
+          <p:cNvPr id="121" name="Google Shape;121;g17d22832966_0_228:notes"/>
           <p:cNvSpPr txBox="1"/>
           <p:nvPr>
             <p:ph idx="1" type="body"/>
@@ -6682,7 +6682,7 @@
         </p:spPr>
         <p:txBody>
           <a:bodyPr anchorCtr="0" anchor="t" bIns="91425" lIns="91425" spcFirstLastPara="1" rIns="91425" wrap="square" tIns="91425">
-            <a:normAutofit fontScale="77500" lnSpcReduction="20000"/>
+            <a:normAutofit fontScale="92500" lnSpcReduction="20000"/>
           </a:bodyPr>
           <a:lstStyle/>
           <a:p>
@@ -6710,7 +6710,7 @@
             </a:endParaRPr>
           </a:p>
           <a:p>
-            <a:pPr indent="-341788" lvl="0" marL="457200" rtl="0" algn="l">
+            <a:pPr indent="-363696" lvl="0" marL="457200" rtl="0" algn="l">
               <a:spcBef>
                 <a:spcPts val="0"/>
               </a:spcBef>
@@ -6746,7 +6746,7 @@
             </a:endParaRPr>
           </a:p>
           <a:p>
-            <a:pPr indent="-341788" lvl="1" marL="914400" rtl="0" algn="l">
+            <a:pPr indent="-363696" lvl="1" marL="914400" rtl="0" algn="l">
               <a:spcBef>
                 <a:spcPts val="0"/>
               </a:spcBef>
@@ -6774,7 +6774,7 @@
             </a:endParaRPr>
           </a:p>
           <a:p>
-            <a:pPr indent="-341788" lvl="0" marL="457200" rtl="0" algn="l">
+            <a:pPr indent="-363696" lvl="0" marL="457200" rtl="0" algn="l">
               <a:spcBef>
                 <a:spcPts val="0"/>
               </a:spcBef>
@@ -6802,7 +6802,7 @@
             </a:endParaRPr>
           </a:p>
           <a:p>
-            <a:pPr indent="-341788" lvl="1" marL="914400" rtl="0" algn="l">
+            <a:pPr indent="-363696" lvl="1" marL="914400" rtl="0" algn="l">
               <a:spcBef>
                 <a:spcPts val="0"/>
               </a:spcBef>
@@ -6830,7 +6830,7 @@
             </a:endParaRPr>
           </a:p>
           <a:p>
-            <a:pPr indent="-341788" lvl="0" marL="457200" rtl="0" algn="l">
+            <a:pPr indent="-363696" lvl="0" marL="457200" rtl="0" algn="l">
               <a:spcBef>
                 <a:spcPts val="0"/>
               </a:spcBef>
@@ -6857,31 +6857,78 @@
               </a:solidFill>
             </a:endParaRPr>
           </a:p>
+        </p:txBody>
+      </p:sp>
+      <p:sp>
+        <p:nvSpPr>
+          <p:cNvPr id="56" name="Google Shape;56;p13"/>
+          <p:cNvSpPr txBox="1"/>
+          <p:nvPr/>
+        </p:nvSpPr>
+        <p:spPr>
+          <a:xfrm>
+            <a:off x="2275350" y="1916313"/>
+            <a:ext cx="4593300" cy="615600"/>
+          </a:xfrm>
+          <a:prstGeom prst="rect">
+            <a:avLst/>
+          </a:prstGeom>
+          <a:noFill/>
+          <a:ln>
+            <a:noFill/>
+          </a:ln>
+        </p:spPr>
+        <p:txBody>
+          <a:bodyPr anchorCtr="0" anchor="t" bIns="91425" lIns="91425" spcFirstLastPara="1" rIns="91425" wrap="square" tIns="91425">
+            <a:spAutoFit/>
+          </a:bodyPr>
+          <a:lstStyle/>
           <a:p>
-            <a:pPr indent="-341788" lvl="1" marL="914400" rtl="0" algn="l">
-              <a:spcBef>
-                <a:spcPts val="0"/>
-              </a:spcBef>
-              <a:spcAft>
-                <a:spcPts val="0"/>
-              </a:spcAft>
-              <a:buClr>
-                <a:srgbClr val="FFFFFF"/>
-              </a:buClr>
-              <a:buSzPct val="100000"/>
-              <a:buAutoNum type="alphaLcPeriod"/>
+            <a:pPr indent="0" lvl="0" marL="0" rtl="0" algn="ctr">
+              <a:spcBef>
+                <a:spcPts val="0"/>
+              </a:spcBef>
+              <a:spcAft>
+                <a:spcPts val="0"/>
+              </a:spcAft>
+              <a:buNone/>
             </a:pPr>
             <a:r>
-              <a:rPr lang="ru" sz="2300">
+              <a:rPr lang="ru">
                 <a:solidFill>
-                  <a:srgbClr val="FFFFFF"/>
+                  <a:schemeClr val="dk1"/>
                 </a:solidFill>
               </a:rPr>
-              <a:t>How to improve solution?</a:t>
+              <a:t>Code available at </a:t>
             </a:r>
-            <a:endParaRPr sz="2300">
+            <a:r>
+              <a:rPr lang="ru">
+                <a:solidFill>
+                  <a:schemeClr val="dk1"/>
+                </a:solidFill>
+              </a:rPr>
+              <a:t>/Task1/Task1_analysis_solution.ipynb</a:t>
+            </a:r>
+            <a:r>
+              <a:rPr lang="ru">
+                <a:solidFill>
+                  <a:schemeClr val="dk1"/>
+                </a:solidFill>
+              </a:rPr>
+              <a:t> or this </a:t>
+            </a:r>
+            <a:r>
+              <a:rPr lang="ru" u="sng">
+                <a:solidFill>
+                  <a:schemeClr val="hlink"/>
+                </a:solidFill>
+                <a:hlinkClick r:id="rId3"/>
+              </a:rPr>
+              <a:t>link</a:t>
+            </a:r>
+            <a:endParaRPr>
               <a:solidFill>
-                <a:srgbClr val="FFFFFF"/>
+                <a:schemeClr val="dk1"/>
               </a:solidFill>
             </a:endParaRPr>
           </a:p>
@@ -6900,7 +6947,7 @@
   <p:cSld>
     <p:spTree>
       <p:nvGrpSpPr>
-        <p:cNvPr id="127" name="Shape 127"/>
+        <p:cNvPr id="128" name="Shape 128"/>
         <p:cNvGrpSpPr/>
         <p:nvPr/>
       </p:nvGrpSpPr>
@@ -6914,7 +6961,7 @@
       </p:grpSpPr>
       <p:sp>
         <p:nvSpPr>
-          <p:cNvPr id="128" name="Google Shape;128;p22"/>
+          <p:cNvPr id="129" name="Google Shape;129;p22"/>
           <p:cNvSpPr txBox="1"/>
           <p:nvPr>
             <p:ph type="title"/>
@@ -6955,7 +7002,7 @@
       </p:sp>
       <p:pic>
         <p:nvPicPr>
-          <p:cNvPr id="129" name="Google Shape;129;p22"/>
+          <p:cNvPr id="130" name="Google Shape;130;p22"/>
           <p:cNvPicPr preferRelativeResize="0"/>
           <p:nvPr/>
         </p:nvPicPr>
@@ -6983,7 +7030,7 @@
       </p:pic>
       <p:pic>
         <p:nvPicPr>
-          <p:cNvPr id="130" name="Google Shape;130;p22"/>
+          <p:cNvPr id="131" name="Google Shape;131;p22"/>
           <p:cNvPicPr preferRelativeResize="0"/>
           <p:nvPr/>
         </p:nvPicPr>
@@ -7011,7 +7058,7 @@
       </p:pic>
       <p:sp>
         <p:nvSpPr>
-          <p:cNvPr id="131" name="Google Shape;131;p22"/>
+          <p:cNvPr id="132" name="Google Shape;132;p22"/>
           <p:cNvSpPr txBox="1"/>
           <p:nvPr/>
         </p:nvSpPr>
@@ -7072,7 +7119,7 @@
   <p:cSld>
     <p:spTree>
       <p:nvGrpSpPr>
-        <p:cNvPr id="135" name="Shape 135"/>
+        <p:cNvPr id="136" name="Shape 136"/>
         <p:cNvGrpSpPr/>
         <p:nvPr/>
       </p:nvGrpSpPr>
@@ -7086,7 +7133,7 @@
       </p:grpSpPr>
       <p:sp>
         <p:nvSpPr>
-          <p:cNvPr id="136" name="Google Shape;136;p23"/>
+          <p:cNvPr id="137" name="Google Shape;137;p23"/>
           <p:cNvSpPr txBox="1"/>
           <p:nvPr>
             <p:ph type="title"/>
@@ -7127,7 +7174,7 @@
       </p:sp>
       <p:sp>
         <p:nvSpPr>
-          <p:cNvPr id="137" name="Google Shape;137;p23"/>
+          <p:cNvPr id="138" name="Google Shape;138;p23"/>
           <p:cNvSpPr txBox="1"/>
           <p:nvPr/>
         </p:nvSpPr>
@@ -7177,7 +7224,7 @@
       </p:sp>
       <p:pic>
         <p:nvPicPr>
-          <p:cNvPr id="138" name="Google Shape;138;p23"/>
+          <p:cNvPr id="139" name="Google Shape;139;p23"/>
           <p:cNvPicPr preferRelativeResize="0"/>
           <p:nvPr/>
         </p:nvPicPr>
@@ -7216,7 +7263,7 @@
   <p:cSld>
     <p:spTree>
       <p:nvGrpSpPr>
-        <p:cNvPr id="142" name="Shape 142"/>
+        <p:cNvPr id="143" name="Shape 143"/>
         <p:cNvGrpSpPr/>
         <p:nvPr/>
       </p:nvGrpSpPr>
@@ -7230,7 +7277,7 @@
       </p:grpSpPr>
       <p:sp>
         <p:nvSpPr>
-          <p:cNvPr id="143" name="Google Shape;143;p24"/>
+          <p:cNvPr id="144" name="Google Shape;144;p24"/>
           <p:cNvSpPr txBox="1"/>
           <p:nvPr>
             <p:ph type="title"/>
@@ -7271,7 +7318,7 @@
       </p:sp>
       <p:pic>
         <p:nvPicPr>
-          <p:cNvPr id="144" name="Google Shape;144;p24"/>
+          <p:cNvPr id="145" name="Google Shape;145;p24"/>
           <p:cNvPicPr preferRelativeResize="0"/>
           <p:nvPr/>
         </p:nvPicPr>
@@ -7299,7 +7346,7 @@
       </p:pic>
       <p:sp>
         <p:nvSpPr>
-          <p:cNvPr id="145" name="Google Shape;145;p24"/>
+          <p:cNvPr id="146" name="Google Shape;146;p24"/>
           <p:cNvSpPr txBox="1"/>
           <p:nvPr/>
         </p:nvSpPr>
@@ -7360,7 +7407,7 @@
   <p:cSld>
     <p:spTree>
       <p:nvGrpSpPr>
-        <p:cNvPr id="59" name="Shape 59"/>
+        <p:cNvPr id="60" name="Shape 60"/>
         <p:cNvGrpSpPr/>
         <p:nvPr/>
       </p:nvGrpSpPr>
@@ -7374,7 +7421,7 @@
       </p:grpSpPr>
       <p:sp>
         <p:nvSpPr>
-          <p:cNvPr id="60" name="Google Shape;60;p14"/>
+          <p:cNvPr id="61" name="Google Shape;61;p14"/>
           <p:cNvSpPr txBox="1"/>
           <p:nvPr>
             <p:ph type="title"/>
@@ -7414,7 +7461,7 @@
       </p:sp>
       <p:sp>
         <p:nvSpPr>
-          <p:cNvPr id="61" name="Google Shape;61;p14"/>
+          <p:cNvPr id="62" name="Google Shape;62;p14"/>
           <p:cNvSpPr txBox="1"/>
           <p:nvPr>
             <p:ph idx="1" type="body"/>
@@ -7466,7 +7513,7 @@
       </p:sp>
       <p:sp>
         <p:nvSpPr>
-          <p:cNvPr id="62" name="Google Shape;62;p14"/>
+          <p:cNvPr id="63" name="Google Shape;63;p14"/>
           <p:cNvSpPr txBox="1"/>
           <p:nvPr/>
         </p:nvSpPr>
@@ -7516,7 +7563,7 @@
       </p:sp>
       <p:sp>
         <p:nvSpPr>
-          <p:cNvPr id="63" name="Google Shape;63;p14"/>
+          <p:cNvPr id="64" name="Google Shape;64;p14"/>
           <p:cNvSpPr txBox="1"/>
           <p:nvPr/>
         </p:nvSpPr>
@@ -7566,7 +7613,7 @@
       </p:sp>
       <p:sp>
         <p:nvSpPr>
-          <p:cNvPr id="64" name="Google Shape;64;p14"/>
+          <p:cNvPr id="65" name="Google Shape;65;p14"/>
           <p:cNvSpPr txBox="1"/>
           <p:nvPr/>
         </p:nvSpPr>
@@ -7616,7 +7663,7 @@
       </p:sp>
       <p:pic>
         <p:nvPicPr>
-          <p:cNvPr id="65" name="Google Shape;65;p14"/>
+          <p:cNvPr id="66" name="Google Shape;66;p14"/>
           <p:cNvPicPr preferRelativeResize="0"/>
           <p:nvPr/>
         </p:nvPicPr>
@@ -7644,7 +7691,7 @@
       </p:pic>
       <p:pic>
         <p:nvPicPr>
-          <p:cNvPr id="66" name="Google Shape;66;p14"/>
+          <p:cNvPr id="67" name="Google Shape;67;p14"/>
           <p:cNvPicPr preferRelativeResize="0"/>
           <p:nvPr/>
         </p:nvPicPr>
@@ -7672,7 +7719,7 @@
       </p:pic>
       <p:pic>
         <p:nvPicPr>
-          <p:cNvPr id="67" name="Google Shape;67;p14"/>
+          <p:cNvPr id="68" name="Google Shape;68;p14"/>
           <p:cNvPicPr preferRelativeResize="0"/>
           <p:nvPr/>
         </p:nvPicPr>
@@ -7700,7 +7747,7 @@
       </p:pic>
       <p:pic>
         <p:nvPicPr>
-          <p:cNvPr id="68" name="Google Shape;68;p14"/>
+          <p:cNvPr id="69" name="Google Shape;69;p14"/>
           <p:cNvPicPr preferRelativeResize="0"/>
           <p:nvPr/>
         </p:nvPicPr>
@@ -7728,7 +7775,7 @@
       </p:pic>
       <p:pic>
         <p:nvPicPr>
-          <p:cNvPr id="69" name="Google Shape;69;p14"/>
+          <p:cNvPr id="70" name="Google Shape;70;p14"/>
           <p:cNvPicPr preferRelativeResize="0"/>
           <p:nvPr/>
         </p:nvPicPr>
@@ -7756,7 +7803,7 @@
       </p:pic>
       <p:pic>
         <p:nvPicPr>
-          <p:cNvPr id="70" name="Google Shape;70;p14"/>
+          <p:cNvPr id="71" name="Google Shape;71;p14"/>
           <p:cNvPicPr preferRelativeResize="0"/>
           <p:nvPr/>
         </p:nvPicPr>
@@ -7784,7 +7831,7 @@
       </p:pic>
       <p:sp>
         <p:nvSpPr>
-          <p:cNvPr id="71" name="Google Shape;71;p14"/>
+          <p:cNvPr id="72" name="Google Shape;72;p14"/>
           <p:cNvSpPr txBox="1"/>
           <p:nvPr/>
         </p:nvSpPr>
@@ -7853,7 +7900,7 @@
   <p:cSld>
     <p:spTree>
       <p:nvGrpSpPr>
-        <p:cNvPr id="75" name="Shape 75"/>
+        <p:cNvPr id="76" name="Shape 76"/>
         <p:cNvGrpSpPr/>
         <p:nvPr/>
       </p:nvGrpSpPr>
@@ -7867,7 +7914,7 @@
       </p:grpSpPr>
       <p:sp>
         <p:nvSpPr>
-          <p:cNvPr id="76" name="Google Shape;76;p15"/>
+          <p:cNvPr id="77" name="Google Shape;77;p15"/>
           <p:cNvSpPr txBox="1"/>
           <p:nvPr>
             <p:ph type="title"/>
@@ -7907,7 +7954,7 @@
       </p:sp>
       <p:sp>
         <p:nvSpPr>
-          <p:cNvPr id="77" name="Google Shape;77;p15"/>
+          <p:cNvPr id="78" name="Google Shape;78;p15"/>
           <p:cNvSpPr txBox="1"/>
           <p:nvPr/>
         </p:nvSpPr>
@@ -7957,7 +8004,7 @@
       </p:sp>
       <p:pic>
         <p:nvPicPr>
-          <p:cNvPr id="78" name="Google Shape;78;p15"/>
+          <p:cNvPr id="79" name="Google Shape;79;p15"/>
           <p:cNvPicPr preferRelativeResize="0"/>
           <p:nvPr/>
         </p:nvPicPr>
@@ -7996,7 +8043,7 @@
   <p:cSld>
     <p:spTree>
       <p:nvGrpSpPr>
-        <p:cNvPr id="82" name="Shape 82"/>
+        <p:cNvPr id="83" name="Shape 83"/>
         <p:cNvGrpSpPr/>
         <p:nvPr/>
       </p:nvGrpSpPr>
@@ -8010,7 +8057,7 @@
       </p:grpSpPr>
       <p:sp>
         <p:nvSpPr>
-          <p:cNvPr id="83" name="Google Shape;83;p16"/>
+          <p:cNvPr id="84" name="Google Shape;84;p16"/>
           <p:cNvSpPr txBox="1"/>
           <p:nvPr>
             <p:ph type="title"/>
@@ -8050,7 +8097,7 @@
       </p:sp>
       <p:sp>
         <p:nvSpPr>
-          <p:cNvPr id="84" name="Google Shape;84;p16"/>
+          <p:cNvPr id="85" name="Google Shape;85;p16"/>
           <p:cNvSpPr txBox="1"/>
           <p:nvPr/>
         </p:nvSpPr>
@@ -8100,7 +8147,7 @@
       </p:sp>
       <p:pic>
         <p:nvPicPr>
-          <p:cNvPr id="85" name="Google Shape;85;p16"/>
+          <p:cNvPr id="86" name="Google Shape;86;p16"/>
           <p:cNvPicPr preferRelativeResize="0"/>
           <p:nvPr/>
         </p:nvPicPr>
@@ -8128,7 +8175,7 @@
       </p:pic>
       <p:pic>
         <p:nvPicPr>
-          <p:cNvPr id="86" name="Google Shape;86;p16"/>
+          <p:cNvPr id="87" name="Google Shape;87;p16"/>
           <p:cNvPicPr preferRelativeResize="0"/>
           <p:nvPr/>
         </p:nvPicPr>
@@ -8156,7 +8203,7 @@
       </p:pic>
       <p:sp>
         <p:nvSpPr>
-          <p:cNvPr id="87" name="Google Shape;87;p16"/>
+          <p:cNvPr id="88" name="Google Shape;88;p16"/>
           <p:cNvSpPr txBox="1"/>
           <p:nvPr/>
         </p:nvSpPr>
@@ -8217,7 +8264,7 @@
   <p:cSld>
     <p:spTree>
       <p:nvGrpSpPr>
-        <p:cNvPr id="91" name="Shape 91"/>
+        <p:cNvPr id="92" name="Shape 92"/>
         <p:cNvGrpSpPr/>
         <p:nvPr/>
       </p:nvGrpSpPr>
@@ -8231,7 +8278,7 @@
       </p:grpSpPr>
       <p:sp>
         <p:nvSpPr>
-          <p:cNvPr id="92" name="Google Shape;92;p17"/>
+          <p:cNvPr id="93" name="Google Shape;93;p17"/>
           <p:cNvSpPr txBox="1"/>
           <p:nvPr>
             <p:ph type="title"/>
@@ -8275,7 +8322,7 @@
       </p:sp>
       <p:pic>
         <p:nvPicPr>
-          <p:cNvPr id="93" name="Google Shape;93;p17"/>
+          <p:cNvPr id="94" name="Google Shape;94;p17"/>
           <p:cNvPicPr preferRelativeResize="0"/>
           <p:nvPr/>
         </p:nvPicPr>
@@ -8303,7 +8350,7 @@
       </p:pic>
       <p:sp>
         <p:nvSpPr>
-          <p:cNvPr id="94" name="Google Shape;94;p17"/>
+          <p:cNvPr id="95" name="Google Shape;95;p17"/>
           <p:cNvSpPr txBox="1"/>
           <p:nvPr/>
         </p:nvSpPr>
@@ -8500,7 +8547,7 @@
   <p:cSld>
     <p:spTree>
       <p:nvGrpSpPr>
-        <p:cNvPr id="98" name="Shape 98"/>
+        <p:cNvPr id="99" name="Shape 99"/>
         <p:cNvGrpSpPr/>
         <p:nvPr/>
       </p:nvGrpSpPr>
@@ -8514,7 +8561,7 @@
       </p:grpSpPr>
       <p:sp>
         <p:nvSpPr>
-          <p:cNvPr id="99" name="Google Shape;99;p18"/>
+          <p:cNvPr id="100" name="Google Shape;100;p18"/>
           <p:cNvSpPr txBox="1"/>
           <p:nvPr>
             <p:ph type="title"/>
@@ -8558,7 +8605,7 @@
       </p:sp>
       <p:sp>
         <p:nvSpPr>
-          <p:cNvPr id="100" name="Google Shape;100;p18"/>
+          <p:cNvPr id="101" name="Google Shape;101;p18"/>
           <p:cNvSpPr txBox="1"/>
           <p:nvPr/>
         </p:nvSpPr>
@@ -8620,7 +8667,7 @@
       </p:sp>
       <p:pic>
         <p:nvPicPr>
-          <p:cNvPr id="101" name="Google Shape;101;p18"/>
+          <p:cNvPr id="102" name="Google Shape;102;p18"/>
           <p:cNvPicPr preferRelativeResize="0"/>
           <p:nvPr/>
         </p:nvPicPr>
@@ -8648,7 +8695,7 @@
       </p:pic>
       <p:pic>
         <p:nvPicPr>
-          <p:cNvPr id="102" name="Google Shape;102;p18"/>
+          <p:cNvPr id="103" name="Google Shape;103;p18"/>
           <p:cNvPicPr preferRelativeResize="0"/>
           <p:nvPr/>
         </p:nvPicPr>
@@ -8676,7 +8723,7 @@
       </p:pic>
       <p:sp>
         <p:nvSpPr>
-          <p:cNvPr id="103" name="Google Shape;103;p18"/>
+          <p:cNvPr id="104" name="Google Shape;104;p18"/>
           <p:cNvSpPr txBox="1"/>
           <p:nvPr/>
         </p:nvSpPr>
@@ -8726,7 +8773,7 @@
       </p:sp>
       <p:sp>
         <p:nvSpPr>
-          <p:cNvPr id="104" name="Google Shape;104;p18"/>
+          <p:cNvPr id="105" name="Google Shape;105;p18"/>
           <p:cNvSpPr txBox="1"/>
           <p:nvPr/>
         </p:nvSpPr>
@@ -8795,7 +8842,7 @@
   <p:cSld>
     <p:spTree>
       <p:nvGrpSpPr>
-        <p:cNvPr id="108" name="Shape 108"/>
+        <p:cNvPr id="109" name="Shape 109"/>
         <p:cNvGrpSpPr/>
         <p:nvPr/>
       </p:nvGrpSpPr>
@@ -8809,7 +8856,7 @@
       </p:grpSpPr>
       <p:sp>
         <p:nvSpPr>
-          <p:cNvPr id="109" name="Google Shape;109;p19"/>
+          <p:cNvPr id="110" name="Google Shape;110;p19"/>
           <p:cNvSpPr txBox="1"/>
           <p:nvPr>
             <p:ph type="title"/>
@@ -8849,7 +8896,7 @@
       </p:sp>
       <p:pic>
         <p:nvPicPr>
-          <p:cNvPr id="110" name="Google Shape;110;p19"/>
+          <p:cNvPr id="111" name="Google Shape;111;p19"/>
           <p:cNvPicPr preferRelativeResize="0"/>
           <p:nvPr/>
         </p:nvPicPr>
@@ -8877,7 +8924,7 @@
       </p:pic>
       <p:sp>
         <p:nvSpPr>
-          <p:cNvPr id="111" name="Google Shape;111;p19"/>
+          <p:cNvPr id="112" name="Google Shape;112;p19"/>
           <p:cNvSpPr txBox="1"/>
           <p:nvPr/>
         </p:nvSpPr>
@@ -8938,7 +8985,7 @@
   <p:cSld>
     <p:spTree>
       <p:nvGrpSpPr>
-        <p:cNvPr id="115" name="Shape 115"/>
+        <p:cNvPr id="116" name="Shape 116"/>
         <p:cNvGrpSpPr/>
         <p:nvPr/>
       </p:nvGrpSpPr>
@@ -8952,7 +8999,7 @@
       </p:grpSpPr>
       <p:sp>
         <p:nvSpPr>
-          <p:cNvPr id="116" name="Google Shape;116;p20"/>
+          <p:cNvPr id="117" name="Google Shape;117;p20"/>
           <p:cNvSpPr txBox="1"/>
           <p:nvPr>
             <p:ph type="title"/>
@@ -8992,7 +9039,7 @@
       </p:sp>
       <p:sp>
         <p:nvSpPr>
-          <p:cNvPr id="117" name="Google Shape;117;p20"/>
+          <p:cNvPr id="118" name="Google Shape;118;p20"/>
           <p:cNvSpPr txBox="1"/>
           <p:nvPr/>
         </p:nvSpPr>
@@ -9053,7 +9100,7 @@
   <p:cSld>
     <p:spTree>
       <p:nvGrpSpPr>
-        <p:cNvPr id="121" name="Shape 121"/>
+        <p:cNvPr id="122" name="Shape 122"/>
         <p:cNvGrpSpPr/>
         <p:nvPr/>
       </p:nvGrpSpPr>
@@ -9067,7 +9114,7 @@
       </p:grpSpPr>
       <p:sp>
         <p:nvSpPr>
-          <p:cNvPr id="122" name="Google Shape;122;p21"/>
+          <p:cNvPr id="123" name="Google Shape;123;p21"/>
           <p:cNvSpPr txBox="1"/>
           <p:nvPr>
             <p:ph type="title"/>
@@ -9107,7 +9154,7 @@
       </p:sp>
       <p:sp>
         <p:nvSpPr>
-          <p:cNvPr id="123" name="Google Shape;123;p21"/>
+          <p:cNvPr id="124" name="Google Shape;124;p21"/>
           <p:cNvSpPr txBox="1"/>
           <p:nvPr/>
         </p:nvSpPr>
@@ -9130,7 +9177,7 @@
           </a:bodyPr>
           <a:lstStyle/>
           <a:p>
-            <a:pPr indent="0" lvl="0" marL="0" rtl="0" algn="l">
+            <a:pPr indent="0" lvl="0" marL="0" rtl="0" algn="ctr">
               <a:spcBef>
                 <a:spcPts val="0"/>
               </a:spcBef>
